--- a/Pitch/Edit/pitch_longlist.pptx
+++ b/Pitch/Edit/pitch_longlist.pptx
@@ -5,19 +5,20 @@
     <p:sldMasterId id="2147483648" r:id="rId1"/>
   </p:sldMasterIdLst>
   <p:notesMasterIdLst>
-    <p:notesMasterId r:id="rId12"/>
+    <p:notesMasterId r:id="rId13"/>
   </p:notesMasterIdLst>
   <p:sldIdLst>
     <p:sldId id="256" r:id="rId2"/>
     <p:sldId id="258" r:id="rId3"/>
     <p:sldId id="264" r:id="rId4"/>
-    <p:sldId id="260" r:id="rId5"/>
-    <p:sldId id="265" r:id="rId6"/>
-    <p:sldId id="267" r:id="rId7"/>
-    <p:sldId id="268" r:id="rId8"/>
-    <p:sldId id="269" r:id="rId9"/>
-    <p:sldId id="262" r:id="rId10"/>
-    <p:sldId id="263" r:id="rId11"/>
+    <p:sldId id="262" r:id="rId5"/>
+    <p:sldId id="260" r:id="rId6"/>
+    <p:sldId id="265" r:id="rId7"/>
+    <p:sldId id="267" r:id="rId8"/>
+    <p:sldId id="268" r:id="rId9"/>
+    <p:sldId id="269" r:id="rId10"/>
+    <p:sldId id="271" r:id="rId11"/>
+    <p:sldId id="270" r:id="rId12"/>
   </p:sldIdLst>
   <p:sldSz cx="12192000" cy="6858000"/>
   <p:notesSz cx="6858000" cy="12192000"/>
@@ -404,7 +405,91 @@
     </p:spTree>
     <p:extLst>
       <p:ext uri="{BB962C8B-B14F-4D97-AF65-F5344CB8AC3E}">
-        <p14:creationId xmlns:p14="http://schemas.microsoft.com/office/powerpoint/2010/main" val="1024086991"/>
+        <p14:creationId xmlns:p14="http://schemas.microsoft.com/office/powerpoint/2010/main" val="3151939554"/>
+      </p:ext>
+    </p:extLst>
+  </p:cSld>
+  <p:clrMapOvr>
+    <a:masterClrMapping/>
+  </p:clrMapOvr>
+</p:notes>
+</file>
+
+<file path=ppt/notesSlides/notesSlide11.xml><?xml version="1.0" encoding="utf-8"?>
+<p:notes xmlns:a="http://schemas.openxmlformats.org/drawingml/2006/main" xmlns:r="http://schemas.openxmlformats.org/officeDocument/2006/relationships" xmlns:p="http://schemas.openxmlformats.org/presentationml/2006/main">
+  <p:cSld>
+    <p:spTree>
+      <p:nvGrpSpPr>
+        <p:cNvPr id="1" name=""/>
+        <p:cNvGrpSpPr/>
+        <p:nvPr/>
+      </p:nvGrpSpPr>
+      <p:grpSpPr>
+        <a:xfrm>
+          <a:off x="0" y="0"/>
+          <a:ext cx="0" cy="0"/>
+          <a:chOff x="0" y="0"/>
+          <a:chExt cx="0" cy="0"/>
+        </a:xfrm>
+      </p:grpSpPr>
+      <p:sp>
+        <p:nvSpPr>
+          <p:cNvPr id="2" name="Slide Image Placeholder 1"/>
+          <p:cNvSpPr>
+            <a:spLocks noGrp="1" noRot="1" noChangeAspect="1"/>
+          </p:cNvSpPr>
+          <p:nvPr>
+            <p:ph type="sldImg"/>
+          </p:nvPr>
+        </p:nvSpPr>
+        <p:spPr/>
+      </p:sp>
+      <p:sp>
+        <p:nvSpPr>
+          <p:cNvPr id="3" name="Notes Placeholder 2"/>
+          <p:cNvSpPr>
+            <a:spLocks noGrp="1"/>
+          </p:cNvSpPr>
+          <p:nvPr>
+            <p:ph type="body" idx="1"/>
+          </p:nvPr>
+        </p:nvSpPr>
+        <p:spPr/>
+        <p:txBody>
+          <a:bodyPr/>
+          <a:lstStyle/>
+          <a:p>
+            <a:endParaRPr lang="en-US" dirty="0"/>
+          </a:p>
+        </p:txBody>
+      </p:sp>
+      <p:sp>
+        <p:nvSpPr>
+          <p:cNvPr id="4" name="Slide Number Placeholder 3"/>
+          <p:cNvSpPr>
+            <a:spLocks noGrp="1"/>
+          </p:cNvSpPr>
+          <p:nvPr>
+            <p:ph type="sldNum" sz="quarter" idx="10"/>
+          </p:nvPr>
+        </p:nvSpPr>
+        <p:spPr/>
+        <p:txBody>
+          <a:bodyPr/>
+          <a:lstStyle/>
+          <a:p>
+            <a:fld id="{F7021451-1387-4CA6-816F-3879F97B5CBC}" type="slidenum">
+              <a:rPr lang="en-US"/>
+              <a:t>11</a:t>
+            </a:fld>
+            <a:endParaRPr lang="en-US"/>
+          </a:p>
+        </p:txBody>
+      </p:sp>
+    </p:spTree>
+    <p:extLst>
+      <p:ext uri="{BB962C8B-B14F-4D97-AF65-F5344CB8AC3E}">
+        <p14:creationId xmlns:p14="http://schemas.microsoft.com/office/powerpoint/2010/main" val="973108032"/>
       </p:ext>
     </p:extLst>
   </p:cSld>
@@ -626,10 +711,7 @@
           <a:bodyPr/>
           <a:lstStyle/>
           <a:p>
-            <a:r>
-              <a:rPr lang="en-US" dirty="0"/>
-              <a:t>- over 600 products in one week! (679)</a:t>
-            </a:r>
+            <a:endParaRPr lang="en-US" dirty="0"/>
           </a:p>
         </p:txBody>
       </p:sp>
@@ -713,7 +795,10 @@
           <a:bodyPr/>
           <a:lstStyle/>
           <a:p>
-            <a:endParaRPr lang="en-US" dirty="0"/>
+            <a:r>
+              <a:rPr lang="en-US" dirty="0"/>
+              <a:t>- over 600 products in one week! (679)</a:t>
+            </a:r>
           </a:p>
         </p:txBody>
       </p:sp>
@@ -743,7 +828,7 @@
     </p:spTree>
     <p:extLst>
       <p:ext uri="{BB962C8B-B14F-4D97-AF65-F5344CB8AC3E}">
-        <p14:creationId xmlns:p14="http://schemas.microsoft.com/office/powerpoint/2010/main" val="549203447"/>
+        <p14:creationId xmlns:p14="http://schemas.microsoft.com/office/powerpoint/2010/main" val="1024086991"/>
       </p:ext>
     </p:extLst>
   </p:cSld>
@@ -827,7 +912,7 @@
     </p:spTree>
     <p:extLst>
       <p:ext uri="{BB962C8B-B14F-4D97-AF65-F5344CB8AC3E}">
-        <p14:creationId xmlns:p14="http://schemas.microsoft.com/office/powerpoint/2010/main" val="483490719"/>
+        <p14:creationId xmlns:p14="http://schemas.microsoft.com/office/powerpoint/2010/main" val="549203447"/>
       </p:ext>
     </p:extLst>
   </p:cSld>
@@ -911,7 +996,7 @@
     </p:spTree>
     <p:extLst>
       <p:ext uri="{BB962C8B-B14F-4D97-AF65-F5344CB8AC3E}">
-        <p14:creationId xmlns:p14="http://schemas.microsoft.com/office/powerpoint/2010/main" val="3521201367"/>
+        <p14:creationId xmlns:p14="http://schemas.microsoft.com/office/powerpoint/2010/main" val="483490719"/>
       </p:ext>
     </p:extLst>
   </p:cSld>
@@ -995,7 +1080,7 @@
     </p:spTree>
     <p:extLst>
       <p:ext uri="{BB962C8B-B14F-4D97-AF65-F5344CB8AC3E}">
-        <p14:creationId xmlns:p14="http://schemas.microsoft.com/office/powerpoint/2010/main" val="803237877"/>
+        <p14:creationId xmlns:p14="http://schemas.microsoft.com/office/powerpoint/2010/main" val="3521201367"/>
       </p:ext>
     </p:extLst>
   </p:cSld>
@@ -1079,7 +1164,7 @@
     </p:spTree>
     <p:extLst>
       <p:ext uri="{BB962C8B-B14F-4D97-AF65-F5344CB8AC3E}">
-        <p14:creationId xmlns:p14="http://schemas.microsoft.com/office/powerpoint/2010/main" val="1024086991"/>
+        <p14:creationId xmlns:p14="http://schemas.microsoft.com/office/powerpoint/2010/main" val="803237877"/>
       </p:ext>
     </p:extLst>
   </p:cSld>
@@ -1442,7 +1527,82 @@
 
 <file path=ppt/slides/slide10.xml><?xml version="1.0" encoding="utf-8"?>
 <p:sld xmlns:a="http://schemas.openxmlformats.org/drawingml/2006/main" xmlns:r="http://schemas.openxmlformats.org/officeDocument/2006/relationships" xmlns:p="http://schemas.openxmlformats.org/presentationml/2006/main">
-  <p:cSld name="Slide 8">
+  <p:cSld>
+    <p:bg>
+      <p:bgPr>
+        <a:blipFill dpi="0" rotWithShape="1">
+          <a:blip r:embed="rId3">
+            <a:lum/>
+          </a:blip>
+          <a:srcRect/>
+          <a:stretch>
+            <a:fillRect/>
+          </a:stretch>
+        </a:blipFill>
+        <a:effectLst/>
+      </p:bgPr>
+    </p:bg>
+    <p:spTree>
+      <p:nvGrpSpPr>
+        <p:cNvPr id="1" name=""/>
+        <p:cNvGrpSpPr/>
+        <p:nvPr/>
+      </p:nvGrpSpPr>
+      <p:grpSpPr>
+        <a:xfrm>
+          <a:off x="0" y="0"/>
+          <a:ext cx="0" cy="0"/>
+          <a:chOff x="0" y="0"/>
+          <a:chExt cx="0" cy="0"/>
+        </a:xfrm>
+      </p:grpSpPr>
+      <p:pic>
+        <p:nvPicPr>
+          <p:cNvPr id="3" name="Grafik 2" descr="Ein Bild, das Animierter Cartoon, Text, Cartoon, Grafiken enthält.">
+            <a:extLst>
+              <a:ext uri="{FF2B5EF4-FFF2-40B4-BE49-F238E27FC236}">
+                <a16:creationId xmlns:a16="http://schemas.microsoft.com/office/drawing/2014/main" id="{F4474F92-D86A-698E-8B05-03EC07BC3481}"/>
+              </a:ext>
+            </a:extLst>
+          </p:cNvPr>
+          <p:cNvPicPr>
+            <a:picLocks noChangeAspect="1"/>
+          </p:cNvPicPr>
+          <p:nvPr/>
+        </p:nvPicPr>
+        <p:blipFill>
+          <a:blip r:embed="rId4"/>
+          <a:srcRect b="19"/>
+          <a:stretch>
+            <a:fillRect/>
+          </a:stretch>
+        </p:blipFill>
+        <p:spPr>
+          <a:xfrm>
+            <a:off x="1981683" y="1115126"/>
+            <a:ext cx="8228634" cy="4627749"/>
+          </a:xfrm>
+          <a:prstGeom prst="rect">
+            <a:avLst/>
+          </a:prstGeom>
+        </p:spPr>
+      </p:pic>
+    </p:spTree>
+    <p:extLst>
+      <p:ext uri="{BB962C8B-B14F-4D97-AF65-F5344CB8AC3E}">
+        <p14:creationId xmlns:p14="http://schemas.microsoft.com/office/powerpoint/2010/main" val="3016662267"/>
+      </p:ext>
+    </p:extLst>
+  </p:cSld>
+  <p:clrMapOvr>
+    <a:masterClrMapping/>
+  </p:clrMapOvr>
+</p:sld>
+</file>
+
+<file path=ppt/slides/slide11.xml><?xml version="1.0" encoding="utf-8"?>
+<p:sld xmlns:a="http://schemas.openxmlformats.org/drawingml/2006/main" xmlns:r="http://schemas.openxmlformats.org/officeDocument/2006/relationships" xmlns:p="http://schemas.openxmlformats.org/presentationml/2006/main">
+  <p:cSld>
     <p:bg>
       <p:bgPr>
         <a:blipFill dpi="0" rotWithShape="1">
@@ -1472,6 +1632,11 @@
         </a:xfrm>
       </p:grpSpPr>
     </p:spTree>
+    <p:extLst>
+      <p:ext uri="{BB962C8B-B14F-4D97-AF65-F5344CB8AC3E}">
+        <p14:creationId xmlns:p14="http://schemas.microsoft.com/office/powerpoint/2010/main" val="3764389003"/>
+      </p:ext>
+    </p:extLst>
   </p:cSld>
   <p:clrMapOvr>
     <a:masterClrMapping/>
@@ -1613,6 +1778,45 @@
 
 <file path=ppt/slides/slide4.xml><?xml version="1.0" encoding="utf-8"?>
 <p:sld xmlns:a="http://schemas.openxmlformats.org/drawingml/2006/main" xmlns:r="http://schemas.openxmlformats.org/officeDocument/2006/relationships" xmlns:p="http://schemas.openxmlformats.org/presentationml/2006/main">
+  <p:cSld name="Slide 7">
+    <p:bg>
+      <p:bgPr>
+        <a:blipFill dpi="0" rotWithShape="1">
+          <a:blip r:embed="rId3">
+            <a:lum/>
+          </a:blip>
+          <a:srcRect/>
+          <a:stretch>
+            <a:fillRect/>
+          </a:stretch>
+        </a:blipFill>
+        <a:effectLst/>
+      </p:bgPr>
+    </p:bg>
+    <p:spTree>
+      <p:nvGrpSpPr>
+        <p:cNvPr id="1" name=""/>
+        <p:cNvGrpSpPr/>
+        <p:nvPr/>
+      </p:nvGrpSpPr>
+      <p:grpSpPr>
+        <a:xfrm>
+          <a:off x="0" y="0"/>
+          <a:ext cx="0" cy="0"/>
+          <a:chOff x="0" y="0"/>
+          <a:chExt cx="0" cy="0"/>
+        </a:xfrm>
+      </p:grpSpPr>
+    </p:spTree>
+  </p:cSld>
+  <p:clrMapOvr>
+    <a:masterClrMapping/>
+  </p:clrMapOvr>
+</p:sld>
+</file>
+
+<file path=ppt/slides/slide5.xml><?xml version="1.0" encoding="utf-8"?>
+<p:sld xmlns:a="http://schemas.openxmlformats.org/drawingml/2006/main" xmlns:r="http://schemas.openxmlformats.org/officeDocument/2006/relationships" xmlns:p="http://schemas.openxmlformats.org/presentationml/2006/main">
   <p:cSld name="Slide 5">
     <p:bg>
       <p:bgPr>
@@ -1650,7 +1854,7 @@
 </p:sld>
 </file>
 
-<file path=ppt/slides/slide5.xml><?xml version="1.0" encoding="utf-8"?>
+<file path=ppt/slides/slide6.xml><?xml version="1.0" encoding="utf-8"?>
 <p:sld xmlns:a="http://schemas.openxmlformats.org/drawingml/2006/main" xmlns:r="http://schemas.openxmlformats.org/officeDocument/2006/relationships" xmlns:p="http://schemas.openxmlformats.org/presentationml/2006/main">
   <p:cSld>
     <p:bg>
@@ -1775,129 +1979,6 @@
 </p:sld>
 </file>
 
-<file path=ppt/slides/slide6.xml><?xml version="1.0" encoding="utf-8"?>
-<p:sld xmlns:a="http://schemas.openxmlformats.org/drawingml/2006/main" xmlns:r="http://schemas.openxmlformats.org/officeDocument/2006/relationships" xmlns:p="http://schemas.openxmlformats.org/presentationml/2006/main">
-  <p:cSld>
-    <p:spTree>
-      <p:nvGrpSpPr>
-        <p:cNvPr id="1" name=""/>
-        <p:cNvGrpSpPr/>
-        <p:nvPr/>
-      </p:nvGrpSpPr>
-      <p:grpSpPr>
-        <a:xfrm>
-          <a:off x="0" y="0"/>
-          <a:ext cx="0" cy="0"/>
-          <a:chOff x="0" y="0"/>
-          <a:chExt cx="0" cy="0"/>
-        </a:xfrm>
-      </p:grpSpPr>
-      <p:pic>
-        <p:nvPicPr>
-          <p:cNvPr id="3" name="Grafik 2" descr="Ein Bild, das Screenshot, Text enthält.&#10;&#10;Automatisch generierte Beschreibung">
-            <a:extLst>
-              <a:ext uri="{FF2B5EF4-FFF2-40B4-BE49-F238E27FC236}">
-                <a16:creationId xmlns:a16="http://schemas.microsoft.com/office/drawing/2014/main" id="{0283A24E-87F5-E6E5-B946-A47875AECD24}"/>
-              </a:ext>
-            </a:extLst>
-          </p:cNvPr>
-          <p:cNvPicPr>
-            <a:picLocks noChangeAspect="1"/>
-          </p:cNvPicPr>
-          <p:nvPr/>
-        </p:nvPicPr>
-        <p:blipFill>
-          <a:blip r:embed="rId3"/>
-          <a:stretch>
-            <a:fillRect/>
-          </a:stretch>
-        </p:blipFill>
-        <p:spPr>
-          <a:xfrm>
-            <a:off x="1804987" y="704850"/>
-            <a:ext cx="8582025" cy="5448300"/>
-          </a:xfrm>
-          <a:prstGeom prst="rect">
-            <a:avLst/>
-          </a:prstGeom>
-        </p:spPr>
-      </p:pic>
-      <p:sp>
-        <p:nvSpPr>
-          <p:cNvPr id="4" name="Rechteck: abgerundete Ecken 3">
-            <a:extLst>
-              <a:ext uri="{FF2B5EF4-FFF2-40B4-BE49-F238E27FC236}">
-                <a16:creationId xmlns:a16="http://schemas.microsoft.com/office/drawing/2014/main" id="{C99FCADE-1FCF-4207-ADD7-74E691364CE6}"/>
-              </a:ext>
-            </a:extLst>
-          </p:cNvPr>
-          <p:cNvSpPr/>
-          <p:nvPr/>
-        </p:nvSpPr>
-        <p:spPr>
-          <a:xfrm>
-            <a:off x="4540740" y="2647462"/>
-            <a:ext cx="4743938" cy="781538"/>
-          </a:xfrm>
-          <a:prstGeom prst="roundRect">
-            <a:avLst/>
-          </a:prstGeom>
-          <a:solidFill>
-            <a:srgbClr val="4472C4">
-              <a:alpha val="30196"/>
-            </a:srgbClr>
-          </a:solidFill>
-        </p:spPr>
-        <p:style>
-          <a:lnRef idx="2">
-            <a:schemeClr val="accent1">
-              <a:shade val="15000"/>
-            </a:schemeClr>
-          </a:lnRef>
-          <a:fillRef idx="1">
-            <a:schemeClr val="accent1"/>
-          </a:fillRef>
-          <a:effectRef idx="0">
-            <a:schemeClr val="accent1"/>
-          </a:effectRef>
-          <a:fontRef idx="minor">
-            <a:schemeClr val="lt1"/>
-          </a:fontRef>
-        </p:style>
-        <p:txBody>
-          <a:bodyPr rtlCol="0" anchor="ctr"/>
-          <a:lstStyle/>
-          <a:p>
-            <a:pPr algn="ctr"/>
-            <a:endParaRPr lang="de-CH"/>
-          </a:p>
-        </p:txBody>
-      </p:sp>
-    </p:spTree>
-    <p:extLst>
-      <p:ext uri="{BB962C8B-B14F-4D97-AF65-F5344CB8AC3E}">
-        <p14:creationId xmlns:p14="http://schemas.microsoft.com/office/powerpoint/2010/main" val="2368031059"/>
-      </p:ext>
-    </p:extLst>
-  </p:cSld>
-  <p:clrMapOvr>
-    <a:masterClrMapping/>
-  </p:clrMapOvr>
-  <mc:AlternateContent xmlns:mc="http://schemas.openxmlformats.org/markup-compatibility/2006">
-    <mc:Choice xmlns:p159="http://schemas.microsoft.com/office/powerpoint/2015/09/main" Requires="p159">
-      <p:transition spd="slow">
-        <p159:morph option="byObject"/>
-      </p:transition>
-    </mc:Choice>
-    <mc:Fallback>
-      <p:transition spd="slow">
-        <p:fade/>
-      </p:transition>
-    </mc:Fallback>
-  </mc:AlternateContent>
-</p:sld>
-</file>
-
 <file path=ppt/slides/slide7.xml><?xml version="1.0" encoding="utf-8"?>
 <p:sld xmlns:a="http://schemas.openxmlformats.org/drawingml/2006/main" xmlns:r="http://schemas.openxmlformats.org/officeDocument/2006/relationships" xmlns:p="http://schemas.openxmlformats.org/presentationml/2006/main">
   <p:cSld>
@@ -1959,7 +2040,7 @@
         </p:nvSpPr>
         <p:spPr>
           <a:xfrm>
-            <a:off x="5564555" y="3374292"/>
+            <a:off x="4540740" y="2647462"/>
             <a:ext cx="4743938" cy="781538"/>
           </a:xfrm>
           <a:prstGeom prst="roundRect">
@@ -1999,7 +2080,7 @@
     </p:spTree>
     <p:extLst>
       <p:ext uri="{BB962C8B-B14F-4D97-AF65-F5344CB8AC3E}">
-        <p14:creationId xmlns:p14="http://schemas.microsoft.com/office/powerpoint/2010/main" val="574133633"/>
+        <p14:creationId xmlns:p14="http://schemas.microsoft.com/office/powerpoint/2010/main" val="2368031059"/>
       </p:ext>
     </p:extLst>
   </p:cSld>
@@ -2082,6 +2163,129 @@
         </p:nvSpPr>
         <p:spPr>
           <a:xfrm>
+            <a:off x="5564555" y="3374292"/>
+            <a:ext cx="4743938" cy="781538"/>
+          </a:xfrm>
+          <a:prstGeom prst="roundRect">
+            <a:avLst/>
+          </a:prstGeom>
+          <a:solidFill>
+            <a:srgbClr val="4472C4">
+              <a:alpha val="30196"/>
+            </a:srgbClr>
+          </a:solidFill>
+        </p:spPr>
+        <p:style>
+          <a:lnRef idx="2">
+            <a:schemeClr val="accent1">
+              <a:shade val="15000"/>
+            </a:schemeClr>
+          </a:lnRef>
+          <a:fillRef idx="1">
+            <a:schemeClr val="accent1"/>
+          </a:fillRef>
+          <a:effectRef idx="0">
+            <a:schemeClr val="accent1"/>
+          </a:effectRef>
+          <a:fontRef idx="minor">
+            <a:schemeClr val="lt1"/>
+          </a:fontRef>
+        </p:style>
+        <p:txBody>
+          <a:bodyPr rtlCol="0" anchor="ctr"/>
+          <a:lstStyle/>
+          <a:p>
+            <a:pPr algn="ctr"/>
+            <a:endParaRPr lang="de-CH"/>
+          </a:p>
+        </p:txBody>
+      </p:sp>
+    </p:spTree>
+    <p:extLst>
+      <p:ext uri="{BB962C8B-B14F-4D97-AF65-F5344CB8AC3E}">
+        <p14:creationId xmlns:p14="http://schemas.microsoft.com/office/powerpoint/2010/main" val="574133633"/>
+      </p:ext>
+    </p:extLst>
+  </p:cSld>
+  <p:clrMapOvr>
+    <a:masterClrMapping/>
+  </p:clrMapOvr>
+  <mc:AlternateContent xmlns:mc="http://schemas.openxmlformats.org/markup-compatibility/2006">
+    <mc:Choice xmlns:p159="http://schemas.microsoft.com/office/powerpoint/2015/09/main" Requires="p159">
+      <p:transition spd="slow">
+        <p159:morph option="byObject"/>
+      </p:transition>
+    </mc:Choice>
+    <mc:Fallback>
+      <p:transition spd="slow">
+        <p:fade/>
+      </p:transition>
+    </mc:Fallback>
+  </mc:AlternateContent>
+</p:sld>
+</file>
+
+<file path=ppt/slides/slide9.xml><?xml version="1.0" encoding="utf-8"?>
+<p:sld xmlns:a="http://schemas.openxmlformats.org/drawingml/2006/main" xmlns:r="http://schemas.openxmlformats.org/officeDocument/2006/relationships" xmlns:p="http://schemas.openxmlformats.org/presentationml/2006/main">
+  <p:cSld>
+    <p:spTree>
+      <p:nvGrpSpPr>
+        <p:cNvPr id="1" name=""/>
+        <p:cNvGrpSpPr/>
+        <p:nvPr/>
+      </p:nvGrpSpPr>
+      <p:grpSpPr>
+        <a:xfrm>
+          <a:off x="0" y="0"/>
+          <a:ext cx="0" cy="0"/>
+          <a:chOff x="0" y="0"/>
+          <a:chExt cx="0" cy="0"/>
+        </a:xfrm>
+      </p:grpSpPr>
+      <p:pic>
+        <p:nvPicPr>
+          <p:cNvPr id="3" name="Grafik 2" descr="Ein Bild, das Screenshot, Text enthält.&#10;&#10;Automatisch generierte Beschreibung">
+            <a:extLst>
+              <a:ext uri="{FF2B5EF4-FFF2-40B4-BE49-F238E27FC236}">
+                <a16:creationId xmlns:a16="http://schemas.microsoft.com/office/drawing/2014/main" id="{0283A24E-87F5-E6E5-B946-A47875AECD24}"/>
+              </a:ext>
+            </a:extLst>
+          </p:cNvPr>
+          <p:cNvPicPr>
+            <a:picLocks noChangeAspect="1"/>
+          </p:cNvPicPr>
+          <p:nvPr/>
+        </p:nvPicPr>
+        <p:blipFill>
+          <a:blip r:embed="rId3"/>
+          <a:stretch>
+            <a:fillRect/>
+          </a:stretch>
+        </p:blipFill>
+        <p:spPr>
+          <a:xfrm>
+            <a:off x="1804987" y="704850"/>
+            <a:ext cx="8582025" cy="5448300"/>
+          </a:xfrm>
+          <a:prstGeom prst="rect">
+            <a:avLst/>
+          </a:prstGeom>
+        </p:spPr>
+      </p:pic>
+      <p:sp>
+        <p:nvSpPr>
+          <p:cNvPr id="4" name="Rechteck: abgerundete Ecken 3">
+            <a:extLst>
+              <a:ext uri="{FF2B5EF4-FFF2-40B4-BE49-F238E27FC236}">
+                <a16:creationId xmlns:a16="http://schemas.microsoft.com/office/drawing/2014/main" id="{C99FCADE-1FCF-4207-ADD7-74E691364CE6}"/>
+              </a:ext>
+            </a:extLst>
+          </p:cNvPr>
+          <p:cNvSpPr/>
+          <p:nvPr/>
+        </p:nvSpPr>
+        <p:spPr>
+          <a:xfrm>
             <a:off x="4728309" y="4148016"/>
             <a:ext cx="4743938" cy="781538"/>
           </a:xfrm>
@@ -2141,45 +2345,6 @@
       </p:transition>
     </mc:Fallback>
   </mc:AlternateContent>
-</p:sld>
-</file>
-
-<file path=ppt/slides/slide9.xml><?xml version="1.0" encoding="utf-8"?>
-<p:sld xmlns:a="http://schemas.openxmlformats.org/drawingml/2006/main" xmlns:r="http://schemas.openxmlformats.org/officeDocument/2006/relationships" xmlns:p="http://schemas.openxmlformats.org/presentationml/2006/main">
-  <p:cSld name="Slide 7">
-    <p:bg>
-      <p:bgPr>
-        <a:blipFill dpi="0" rotWithShape="1">
-          <a:blip r:embed="rId3">
-            <a:lum/>
-          </a:blip>
-          <a:srcRect/>
-          <a:stretch>
-            <a:fillRect/>
-          </a:stretch>
-        </a:blipFill>
-        <a:effectLst/>
-      </p:bgPr>
-    </p:bg>
-    <p:spTree>
-      <p:nvGrpSpPr>
-        <p:cNvPr id="1" name=""/>
-        <p:cNvGrpSpPr/>
-        <p:nvPr/>
-      </p:nvGrpSpPr>
-      <p:grpSpPr>
-        <a:xfrm>
-          <a:off x="0" y="0"/>
-          <a:ext cx="0" cy="0"/>
-          <a:chOff x="0" y="0"/>
-          <a:chExt cx="0" cy="0"/>
-        </a:xfrm>
-      </p:grpSpPr>
-    </p:spTree>
-  </p:cSld>
-  <p:clrMapOvr>
-    <a:masterClrMapping/>
-  </p:clrMapOvr>
 </p:sld>
 </file>
 
